--- a/Design Document.pptx
+++ b/Design Document.pptx
@@ -318,7 +318,7 @@
           <a:p>
             <a:fld id="{4AAD347D-5ACD-4C99-B74B-A9C85AD731AF}" type="datetimeFigureOut">
               <a:rPr lang="en-US" dirty="0"/>
-              <a:t>3/18/2015</a:t>
+              <a:t>5/9/15</a:t>
             </a:fld>
             <a:endParaRPr lang="en-US" dirty="0"/>
           </a:p>
@@ -588,7 +588,7 @@
           <a:p>
             <a:fld id="{4509A250-FF31-4206-8172-F9D3106AACB1}" type="datetimeFigureOut">
               <a:rPr lang="en-US" dirty="0"/>
-              <a:t>3/18/2015</a:t>
+              <a:t>5/9/15</a:t>
             </a:fld>
             <a:endParaRPr lang="en-US" dirty="0"/>
           </a:p>
@@ -777,7 +777,7 @@
           <a:p>
             <a:fld id="{4509A250-FF31-4206-8172-F9D3106AACB1}" type="datetimeFigureOut">
               <a:rPr lang="en-US" dirty="0"/>
-              <a:t>3/18/2015</a:t>
+              <a:t>5/9/15</a:t>
             </a:fld>
             <a:endParaRPr lang="en-US" dirty="0"/>
           </a:p>
@@ -1045,7 +1045,7 @@
           <a:p>
             <a:fld id="{4509A250-FF31-4206-8172-F9D3106AACB1}" type="datetimeFigureOut">
               <a:rPr lang="en-US" dirty="0"/>
-              <a:t>3/18/2015</a:t>
+              <a:t>5/9/15</a:t>
             </a:fld>
             <a:endParaRPr lang="en-US" dirty="0"/>
           </a:p>
@@ -1381,7 +1381,7 @@
           <a:p>
             <a:fld id="{4509A250-FF31-4206-8172-F9D3106AACB1}" type="datetimeFigureOut">
               <a:rPr lang="en-US" dirty="0"/>
-              <a:t>3/18/2015</a:t>
+              <a:t>5/9/15</a:t>
             </a:fld>
             <a:endParaRPr lang="en-US" dirty="0"/>
           </a:p>
@@ -1999,7 +1999,7 @@
           <a:p>
             <a:fld id="{4509A250-FF31-4206-8172-F9D3106AACB1}" type="datetimeFigureOut">
               <a:rPr lang="en-US" dirty="0"/>
-              <a:t>3/18/2015</a:t>
+              <a:t>5/9/15</a:t>
             </a:fld>
             <a:endParaRPr lang="en-US" dirty="0"/>
           </a:p>
@@ -2854,7 +2854,7 @@
           <a:p>
             <a:fld id="{4509A250-FF31-4206-8172-F9D3106AACB1}" type="datetimeFigureOut">
               <a:rPr lang="en-US" dirty="0"/>
-              <a:t>3/18/2015</a:t>
+              <a:t>5/9/15</a:t>
             </a:fld>
             <a:endParaRPr lang="en-US" dirty="0"/>
           </a:p>
@@ -3019,7 +3019,7 @@
           <a:p>
             <a:fld id="{4509A250-FF31-4206-8172-F9D3106AACB1}" type="datetimeFigureOut">
               <a:rPr lang="en-US" dirty="0"/>
-              <a:t>3/18/2015</a:t>
+              <a:t>5/9/15</a:t>
             </a:fld>
             <a:endParaRPr lang="en-US" dirty="0"/>
           </a:p>
@@ -3194,7 +3194,7 @@
           <a:p>
             <a:fld id="{4509A250-FF31-4206-8172-F9D3106AACB1}" type="datetimeFigureOut">
               <a:rPr lang="en-US" dirty="0"/>
-              <a:t>3/18/2015</a:t>
+              <a:t>5/9/15</a:t>
             </a:fld>
             <a:endParaRPr lang="en-US" dirty="0"/>
           </a:p>
@@ -3359,7 +3359,7 @@
           <a:p>
             <a:fld id="{4509A250-FF31-4206-8172-F9D3106AACB1}" type="datetimeFigureOut">
               <a:rPr lang="en-US" dirty="0"/>
-              <a:t>3/18/2015</a:t>
+              <a:t>5/9/15</a:t>
             </a:fld>
             <a:endParaRPr lang="en-US" dirty="0"/>
           </a:p>
@@ -3601,7 +3601,7 @@
           <a:p>
             <a:fld id="{9796027F-7875-4030-9381-8BD8C4F21935}" type="datetimeFigureOut">
               <a:rPr lang="en-US" dirty="0"/>
-              <a:t>3/18/2015</a:t>
+              <a:t>5/9/15</a:t>
             </a:fld>
             <a:endParaRPr lang="en-US" dirty="0"/>
           </a:p>
@@ -3888,7 +3888,7 @@
           <a:p>
             <a:fld id="{9796027F-7875-4030-9381-8BD8C4F21935}" type="datetimeFigureOut">
               <a:rPr lang="en-US" dirty="0"/>
-              <a:t>3/18/2015</a:t>
+              <a:t>5/9/15</a:t>
             </a:fld>
             <a:endParaRPr lang="en-US" dirty="0"/>
           </a:p>
@@ -4327,7 +4327,7 @@
           <a:p>
             <a:fld id="{9796027F-7875-4030-9381-8BD8C4F21935}" type="datetimeFigureOut">
               <a:rPr lang="en-US" dirty="0"/>
-              <a:t>3/18/2015</a:t>
+              <a:t>5/9/15</a:t>
             </a:fld>
             <a:endParaRPr lang="en-US" dirty="0"/>
           </a:p>
@@ -4440,7 +4440,7 @@
           <a:p>
             <a:fld id="{4509A250-FF31-4206-8172-F9D3106AACB1}" type="datetimeFigureOut">
               <a:rPr lang="en-US" dirty="0"/>
-              <a:t>3/18/2015</a:t>
+              <a:t>5/9/15</a:t>
             </a:fld>
             <a:endParaRPr lang="en-US" dirty="0"/>
           </a:p>
@@ -4530,7 +4530,7 @@
           <a:p>
             <a:fld id="{4509A250-FF31-4206-8172-F9D3106AACB1}" type="datetimeFigureOut">
               <a:rPr lang="en-US" dirty="0"/>
-              <a:t>3/18/2015</a:t>
+              <a:t>5/9/15</a:t>
             </a:fld>
             <a:endParaRPr lang="en-US" dirty="0"/>
           </a:p>
@@ -4804,7 +4804,7 @@
           <a:p>
             <a:fld id="{4509A250-FF31-4206-8172-F9D3106AACB1}" type="datetimeFigureOut">
               <a:rPr lang="en-US" dirty="0"/>
-              <a:t>3/18/2015</a:t>
+              <a:t>5/9/15</a:t>
             </a:fld>
             <a:endParaRPr lang="en-US" dirty="0"/>
           </a:p>
@@ -5074,7 +5074,7 @@
           <a:p>
             <a:fld id="{4509A250-FF31-4206-8172-F9D3106AACB1}" type="datetimeFigureOut">
               <a:rPr lang="en-US" dirty="0"/>
-              <a:t>3/18/2015</a:t>
+              <a:t>5/9/15</a:t>
             </a:fld>
             <a:endParaRPr lang="en-US" dirty="0"/>
           </a:p>
@@ -5498,7 +5498,7 @@
           <a:p>
             <a:fld id="{4AAD347D-5ACD-4C99-B74B-A9C85AD731AF}" type="datetimeFigureOut">
               <a:rPr lang="en-US" dirty="0"/>
-              <a:t>3/18/2015</a:t>
+              <a:t>5/9/15</a:t>
             </a:fld>
             <a:endParaRPr lang="en-US" dirty="0"/>
           </a:p>
@@ -6062,7 +6062,11 @@
           <a:p>
             <a:r>
               <a:rPr lang="en-US" dirty="0" smtClean="0"/>
-              <a:t>Scott, COLBY, IAN, AND JOSEPH</a:t>
+              <a:t>Scott</a:t>
+            </a:r>
+            <a:r>
+              <a:rPr lang="en-US" dirty="0" smtClean="0"/>
+              <a:t>, COLBY, IAN, AND JOSEPH</a:t>
             </a:r>
             <a:endParaRPr lang="en-US" dirty="0"/>
           </a:p>
@@ -7937,13 +7941,26 @@
             </a:r>
             <a:r>
               <a:rPr lang="en-US" dirty="0" smtClean="0"/>
-              <a:t>website: IP:4567/Carcassonne</a:t>
-            </a:r>
-          </a:p>
-          <a:p>
+              <a:t>website: IP</a:t>
+            </a:r>
             <a:r>
               <a:rPr lang="en-US" dirty="0" smtClean="0"/>
-              <a:t>Lobby is entered for maximum of first 4 players, 1st done automatically</a:t>
+              <a:t>:3141/</a:t>
+            </a:r>
+            <a:r>
+              <a:rPr lang="en-US" dirty="0" err="1" smtClean="0"/>
+              <a:t>carcassonne</a:t>
+            </a:r>
+            <a:endParaRPr lang="en-US" dirty="0" smtClean="0"/>
+          </a:p>
+          <a:p>
+            <a:r>
+              <a:rPr lang="en-US" dirty="0" smtClean="0"/>
+              <a:t>Lobby is entered for maximum of first 4 players, </a:t>
+            </a:r>
+            <a:r>
+              <a:rPr lang="en-US" dirty="0" smtClean="0"/>
+              <a:t>other players enter spectator mode.</a:t>
             </a:r>
             <a:endParaRPr lang="en-US" dirty="0"/>
           </a:p>
@@ -8018,25 +8035,45 @@
           <a:p>
             <a:r>
               <a:rPr lang="en-US" dirty="0"/>
-              <a:t>2-4, players who visit website automatically start game</a:t>
-            </a:r>
-          </a:p>
-          <a:p>
-            <a:r>
-              <a:rPr lang="en-US" dirty="0"/>
-              <a:t>Prompted for name and color selection</a:t>
-            </a:r>
-          </a:p>
-          <a:p>
-            <a:r>
-              <a:rPr lang="en-US" dirty="0"/>
-              <a:t>Once 2 present, start game option appears</a:t>
-            </a:r>
-          </a:p>
-          <a:p>
-            <a:r>
-              <a:rPr lang="en-US" dirty="0"/>
-              <a:t>Always display number of players in lobby</a:t>
+              <a:t>1</a:t>
+            </a:r>
+            <a:r>
+              <a:rPr lang="en-US" dirty="0" smtClean="0"/>
+              <a:t>-</a:t>
+            </a:r>
+            <a:r>
+              <a:rPr lang="en-US" dirty="0"/>
+              <a:t>4, players who visit </a:t>
+            </a:r>
+            <a:r>
+              <a:rPr lang="en-US" dirty="0" smtClean="0"/>
+              <a:t>website can enter the lobby</a:t>
+            </a:r>
+            <a:endParaRPr lang="en-US" dirty="0"/>
+          </a:p>
+          <a:p>
+            <a:r>
+              <a:rPr lang="en-US" dirty="0"/>
+              <a:t>Prompted for </a:t>
+            </a:r>
+            <a:r>
+              <a:rPr lang="en-US" dirty="0" smtClean="0"/>
+              <a:t>name</a:t>
+            </a:r>
+            <a:endParaRPr lang="en-US" dirty="0"/>
+          </a:p>
+          <a:p>
+            <a:r>
+              <a:rPr lang="en-US" dirty="0"/>
+              <a:t>Always </a:t>
+            </a:r>
+            <a:r>
+              <a:rPr lang="en-US" dirty="0" smtClean="0"/>
+              <a:t>display </a:t>
+            </a:r>
+            <a:r>
+              <a:rPr lang="en-US" dirty="0"/>
+              <a:t>players in lobby</a:t>
             </a:r>
           </a:p>
           <a:p>
@@ -8048,7 +8085,11 @@
           <a:p>
             <a:r>
               <a:rPr lang="en-US" dirty="0"/>
-              <a:t>Link to instructions screen</a:t>
+              <a:t>Link to instructions </a:t>
+            </a:r>
+            <a:r>
+              <a:rPr lang="en-US" dirty="0" smtClean="0"/>
+              <a:t>screen, link to settings screen.</a:t>
             </a:r>
             <a:endParaRPr lang="en-US" dirty="0"/>
           </a:p>
@@ -8128,8 +8169,20 @@
           </a:p>
           <a:p>
             <a:r>
-              <a:rPr lang="en-US" dirty="0"/>
-              <a:t>DETAILED instructions for Carcassonne. Kind of complicated. Emphasize that reading this is essential.</a:t>
+              <a:rPr lang="en-US" dirty="0" smtClean="0"/>
+              <a:t>Detailed </a:t>
+            </a:r>
+            <a:r>
+              <a:rPr lang="en-US" dirty="0" smtClean="0"/>
+              <a:t>instructions </a:t>
+            </a:r>
+            <a:r>
+              <a:rPr lang="en-US" dirty="0"/>
+              <a:t>for Carcassonne. Kind of complicated</a:t>
+            </a:r>
+            <a:r>
+              <a:rPr lang="en-US" dirty="0" smtClean="0"/>
+              <a:t>.</a:t>
             </a:r>
             <a:endParaRPr lang="en-US" dirty="0"/>
           </a:p>
@@ -8204,11 +8257,11 @@
           <a:p>
             <a:r>
               <a:rPr lang="en-US" dirty="0"/>
-              <a:t>Referee takes turn of each player in order, </a:t>
+              <a:t>Referee takes turn of each player in </a:t>
             </a:r>
             <a:r>
               <a:rPr lang="en-US" dirty="0" smtClean="0"/>
-              <a:t>order generated randomly.</a:t>
+              <a:t>order.</a:t>
             </a:r>
             <a:endParaRPr lang="en-US" dirty="0"/>
           </a:p>
@@ -8222,8 +8275,29 @@
             <a:pPr lvl="1"/>
             <a:r>
               <a:rPr lang="en-US" dirty="0"/>
-              <a:t>Turns mostly front end, players have handlers that wait for events that happen based on who’s turn it is (best way to update front end display?)</a:t>
-            </a:r>
+              <a:t>Turns mostly front end, players have handlers that wait for events that happen based on </a:t>
+            </a:r>
+            <a:r>
+              <a:rPr lang="en-US" dirty="0" smtClean="0"/>
+              <a:t>who</a:t>
+            </a:r>
+            <a:r>
+              <a:rPr lang="en-US" dirty="0" smtClean="0"/>
+              <a:t>se</a:t>
+            </a:r>
+            <a:r>
+              <a:rPr lang="en-US" dirty="0" smtClean="0"/>
+              <a:t> </a:t>
+            </a:r>
+            <a:r>
+              <a:rPr lang="en-US" dirty="0"/>
+              <a:t>turn it </a:t>
+            </a:r>
+            <a:r>
+              <a:rPr lang="en-US" dirty="0" smtClean="0"/>
+              <a:t>is.</a:t>
+            </a:r>
+            <a:endParaRPr lang="en-US" dirty="0"/>
           </a:p>
           <a:p>
             <a:pPr lvl="1"/>
@@ -8262,8 +8336,13 @@
             <a:pPr lvl="1"/>
             <a:r>
               <a:rPr lang="en-US" dirty="0"/>
-              <a:t>Timeout on Turn to check if people have disconnected</a:t>
-            </a:r>
+              <a:t>Timeout on Turn to check if people have </a:t>
+            </a:r>
+            <a:r>
+              <a:rPr lang="en-US" dirty="0" smtClean="0"/>
+              <a:t>disconnected.</a:t>
+            </a:r>
+            <a:endParaRPr lang="en-US" dirty="0"/>
           </a:p>
         </p:txBody>
       </p:sp>
@@ -8335,21 +8414,10 @@
           <a:lstStyle/>
           <a:p>
             <a:r>
-              <a:rPr lang="en-US" dirty="0"/>
-              <a:t>If anyone times out on turn, game ends. </a:t>
-            </a:r>
-          </a:p>
-          <a:p>
-            <a:r>
-              <a:rPr lang="en-US" dirty="0"/>
-              <a:t>Should display timer if this timeout is close to happening… probably like 2:30 w/ 1:00 displayed on screen.</a:t>
-            </a:r>
-          </a:p>
-          <a:p>
-            <a:r>
-              <a:rPr lang="en-US" dirty="0"/>
-              <a:t>No ability to reconnect, server closes, must re-launch to start another game.</a:t>
-            </a:r>
+              <a:rPr lang="en-US" dirty="0" smtClean="0"/>
+              <a:t>If a player disconnects, they may simply return to the website to reconnect to the game.</a:t>
+            </a:r>
+            <a:endParaRPr lang="en-US" dirty="0"/>
           </a:p>
         </p:txBody>
       </p:sp>
@@ -8448,8 +8516,13 @@
           <a:p>
             <a:r>
               <a:rPr lang="en-US" dirty="0"/>
-              <a:t>Go home and stop playing this long game</a:t>
-            </a:r>
+              <a:t>Go home and stop playing this long </a:t>
+            </a:r>
+            <a:r>
+              <a:rPr lang="en-US" dirty="0" smtClean="0"/>
+              <a:t>game.</a:t>
+            </a:r>
+            <a:endParaRPr lang="en-US" dirty="0"/>
           </a:p>
           <a:p>
             <a:endParaRPr lang="en-US" dirty="0"/>
@@ -8512,7 +8585,7 @@
     </a:clrScheme>
     <a:fontScheme name="Ion">
       <a:majorFont>
-        <a:latin typeface="Century Gothic" panose="020B0502020202020204"/>
+        <a:latin typeface="Century Gothic"/>
         <a:ea typeface=""/>
         <a:cs typeface=""/>
         <a:font script="Jpan" typeface="メイリオ"/>
@@ -8547,7 +8620,7 @@
         <a:font script="Geor" typeface="Sylfaen"/>
       </a:majorFont>
       <a:minorFont>
-        <a:latin typeface="Century Gothic" panose="020B0502020202020204"/>
+        <a:latin typeface="Century Gothic"/>
         <a:ea typeface=""/>
         <a:cs typeface=""/>
         <a:font script="Jpan" typeface="メイリオ"/>
@@ -8729,7 +8802,7 @@
   <a:extraClrSchemeLst/>
   <a:extLst>
     <a:ext uri="{05A4C25C-085E-4340-85A3-A5531E510DB2}">
-      <thm15:themeFamily xmlns:thm15="http://schemas.microsoft.com/office/thememl/2012/main" name="Ion" id="{B8441ADB-2E43-4AF7-B97A-BD870242C6A8}" vid="{292E63A9-BB86-4E3D-B92A-7223C6510D2E}"/>
+      <thm15:themeFamily xmlns:thm15="http://schemas.microsoft.com/office/thememl/2012/main" xmlns="" name="Ion" id="{B8441ADB-2E43-4AF7-B97A-BD870242C6A8}" vid="{292E63A9-BB86-4E3D-B92A-7223C6510D2E}"/>
     </a:ext>
   </a:extLst>
 </a:theme>
